--- a/slides/cds431_week8_2.pptx
+++ b/slides/cds431_week8_2.pptx
@@ -122,6 +122,11 @@
       </a:defRPr>
     </a:lvl9pPr>
   </p:defaultTextStyle>
+  <p:extLst>
+    <p:ext uri="{EFAFB233-063F-42B5-8137-9DF3F51BA10A}">
+      <p15:sldGuideLst xmlns:p15="http://schemas.microsoft.com/office/powerpoint/2012/main"/>
+    </p:ext>
+  </p:extLst>
 </p:presentation>
 </file>
 
@@ -5517,7 +5522,7 @@
           <a:p>
             <a:fld id="{97E2ACD8-5AB5-0845-A8B9-3DCE7A7020BE}" type="datetimeFigureOut">
               <a:rPr lang="en-US" smtClean="0"/>
-              <a:t>1/5/22</a:t>
+              <a:t>5/5/22</a:t>
             </a:fld>
             <a:endParaRPr lang="en-US"/>
           </a:p>
@@ -6099,7 +6104,7 @@
           <a:p>
             <a:fld id="{1707EF8C-64A6-E941-B20F-A91EEEA18FCD}" type="datetimeFigureOut">
               <a:rPr lang="en-US" smtClean="0"/>
-              <a:t>1/5/22</a:t>
+              <a:t>5/5/22</a:t>
             </a:fld>
             <a:endParaRPr lang="en-US"/>
           </a:p>
@@ -6297,7 +6302,7 @@
           <a:p>
             <a:fld id="{1707EF8C-64A6-E941-B20F-A91EEEA18FCD}" type="datetimeFigureOut">
               <a:rPr lang="en-US" smtClean="0"/>
-              <a:t>1/5/22</a:t>
+              <a:t>5/5/22</a:t>
             </a:fld>
             <a:endParaRPr lang="en-US"/>
           </a:p>
@@ -6505,7 +6510,7 @@
           <a:p>
             <a:fld id="{1707EF8C-64A6-E941-B20F-A91EEEA18FCD}" type="datetimeFigureOut">
               <a:rPr lang="en-US" smtClean="0"/>
-              <a:t>1/5/22</a:t>
+              <a:t>5/5/22</a:t>
             </a:fld>
             <a:endParaRPr lang="en-US"/>
           </a:p>
@@ -6703,7 +6708,7 @@
           <a:p>
             <a:fld id="{1707EF8C-64A6-E941-B20F-A91EEEA18FCD}" type="datetimeFigureOut">
               <a:rPr lang="en-US" smtClean="0"/>
-              <a:t>1/5/22</a:t>
+              <a:t>5/5/22</a:t>
             </a:fld>
             <a:endParaRPr lang="en-US"/>
           </a:p>
@@ -6978,7 +6983,7 @@
           <a:p>
             <a:fld id="{1707EF8C-64A6-E941-B20F-A91EEEA18FCD}" type="datetimeFigureOut">
               <a:rPr lang="en-US" smtClean="0"/>
-              <a:t>1/5/22</a:t>
+              <a:t>5/5/22</a:t>
             </a:fld>
             <a:endParaRPr lang="en-US"/>
           </a:p>
@@ -7243,7 +7248,7 @@
           <a:p>
             <a:fld id="{1707EF8C-64A6-E941-B20F-A91EEEA18FCD}" type="datetimeFigureOut">
               <a:rPr lang="en-US" smtClean="0"/>
-              <a:t>1/5/22</a:t>
+              <a:t>5/5/22</a:t>
             </a:fld>
             <a:endParaRPr lang="en-US"/>
           </a:p>
@@ -7655,7 +7660,7 @@
           <a:p>
             <a:fld id="{1707EF8C-64A6-E941-B20F-A91EEEA18FCD}" type="datetimeFigureOut">
               <a:rPr lang="en-US" smtClean="0"/>
-              <a:t>1/5/22</a:t>
+              <a:t>5/5/22</a:t>
             </a:fld>
             <a:endParaRPr lang="en-US"/>
           </a:p>
@@ -7796,7 +7801,7 @@
           <a:p>
             <a:fld id="{1707EF8C-64A6-E941-B20F-A91EEEA18FCD}" type="datetimeFigureOut">
               <a:rPr lang="en-US" smtClean="0"/>
-              <a:t>1/5/22</a:t>
+              <a:t>5/5/22</a:t>
             </a:fld>
             <a:endParaRPr lang="en-US"/>
           </a:p>
@@ -7909,7 +7914,7 @@
           <a:p>
             <a:fld id="{1707EF8C-64A6-E941-B20F-A91EEEA18FCD}" type="datetimeFigureOut">
               <a:rPr lang="en-US" smtClean="0"/>
-              <a:t>1/5/22</a:t>
+              <a:t>5/5/22</a:t>
             </a:fld>
             <a:endParaRPr lang="en-US"/>
           </a:p>
@@ -8220,7 +8225,7 @@
           <a:p>
             <a:fld id="{1707EF8C-64A6-E941-B20F-A91EEEA18FCD}" type="datetimeFigureOut">
               <a:rPr lang="en-US" smtClean="0"/>
-              <a:t>1/5/22</a:t>
+              <a:t>5/5/22</a:t>
             </a:fld>
             <a:endParaRPr lang="en-US"/>
           </a:p>
@@ -8508,7 +8513,7 @@
           <a:p>
             <a:fld id="{1707EF8C-64A6-E941-B20F-A91EEEA18FCD}" type="datetimeFigureOut">
               <a:rPr lang="en-US" smtClean="0"/>
-              <a:t>1/5/22</a:t>
+              <a:t>5/5/22</a:t>
             </a:fld>
             <a:endParaRPr lang="en-US"/>
           </a:p>
@@ -8779,7 +8784,7 @@
           <a:p>
             <a:fld id="{1707EF8C-64A6-E941-B20F-A91EEEA18FCD}" type="datetimeFigureOut">
               <a:rPr lang="en-US" smtClean="0"/>
-              <a:t>1/5/22</a:t>
+              <a:t>5/5/22</a:t>
             </a:fld>
             <a:endParaRPr lang="en-US"/>
           </a:p>
@@ -12227,7 +12232,7 @@
             </a:r>
             <a:r>
               <a:rPr lang="en-US" sz="2800" dirty="0"/>
-              <a:t> party payer, agency, 	IEP)</a:t>
+              <a:t> party payer, agency, IEP)</a:t>
             </a:r>
           </a:p>
           <a:p>

--- a/slides/cds431_week8_2.pptx
+++ b/slides/cds431_week8_2.pptx
@@ -2589,12 +2589,12 @@
         <a:fontRef idx="minor"/>
       </dsp:style>
       <dsp:txBody>
-        <a:bodyPr spcFirstLastPara="0" vert="horz" wrap="square" lIns="30480" tIns="30480" rIns="30480" bIns="30480" numCol="1" spcCol="1270" anchor="ctr" anchorCtr="0">
+        <a:bodyPr spcFirstLastPara="0" vert="horz" wrap="square" lIns="31750" tIns="31750" rIns="31750" bIns="31750" numCol="1" spcCol="1270" anchor="ctr" anchorCtr="0">
           <a:noAutofit/>
         </a:bodyPr>
         <a:lstStyle/>
         <a:p>
-          <a:pPr marL="0" lvl="0" indent="0" algn="ctr" defTabSz="1066800">
+          <a:pPr marL="0" lvl="0" indent="0" algn="ctr" defTabSz="1111250">
             <a:lnSpc>
               <a:spcPct val="90000"/>
             </a:lnSpc>
@@ -2607,7 +2607,7 @@
             <a:buNone/>
           </a:pPr>
           <a:r>
-            <a:rPr lang="en-US" sz="2400" b="1" kern="1200"/>
+            <a:rPr lang="en-US" sz="2500" b="1" kern="1200"/>
             <a:t>Assessment</a:t>
           </a:r>
         </a:p>
@@ -2726,12 +2726,12 @@
         <a:fontRef idx="minor"/>
       </dsp:style>
       <dsp:txBody>
-        <a:bodyPr spcFirstLastPara="0" vert="horz" wrap="square" lIns="30480" tIns="30480" rIns="30480" bIns="30480" numCol="1" spcCol="1270" anchor="ctr" anchorCtr="0">
+        <a:bodyPr spcFirstLastPara="0" vert="horz" wrap="square" lIns="31750" tIns="31750" rIns="31750" bIns="31750" numCol="1" spcCol="1270" anchor="ctr" anchorCtr="0">
           <a:noAutofit/>
         </a:bodyPr>
         <a:lstStyle/>
         <a:p>
-          <a:pPr marL="0" lvl="0" indent="0" algn="ctr" defTabSz="1066800">
+          <a:pPr marL="0" lvl="0" indent="0" algn="ctr" defTabSz="1111250">
             <a:lnSpc>
               <a:spcPct val="90000"/>
             </a:lnSpc>
@@ -2744,7 +2744,7 @@
             <a:buNone/>
           </a:pPr>
           <a:r>
-            <a:rPr lang="en-US" sz="2400" b="1" kern="1200"/>
+            <a:rPr lang="en-US" sz="2500" b="1" kern="1200"/>
             <a:t>Treatment Planning</a:t>
           </a:r>
         </a:p>
@@ -2863,12 +2863,12 @@
         <a:fontRef idx="minor"/>
       </dsp:style>
       <dsp:txBody>
-        <a:bodyPr spcFirstLastPara="0" vert="horz" wrap="square" lIns="30480" tIns="30480" rIns="30480" bIns="30480" numCol="1" spcCol="1270" anchor="ctr" anchorCtr="0">
+        <a:bodyPr spcFirstLastPara="0" vert="horz" wrap="square" lIns="31750" tIns="31750" rIns="31750" bIns="31750" numCol="1" spcCol="1270" anchor="ctr" anchorCtr="0">
           <a:noAutofit/>
         </a:bodyPr>
         <a:lstStyle/>
         <a:p>
-          <a:pPr marL="0" lvl="0" indent="0" algn="ctr" defTabSz="1066800">
+          <a:pPr marL="0" lvl="0" indent="0" algn="ctr" defTabSz="1111250">
             <a:lnSpc>
               <a:spcPct val="90000"/>
             </a:lnSpc>
@@ -2881,7 +2881,7 @@
             <a:buNone/>
           </a:pPr>
           <a:r>
-            <a:rPr lang="en-US" sz="2400" b="1" kern="1200">
+            <a:rPr lang="en-US" sz="2500" b="1" kern="1200">
               <a:solidFill>
                 <a:srgbClr val="FF0000"/>
               </a:solidFill>
@@ -5522,7 +5522,7 @@
           <a:p>
             <a:fld id="{97E2ACD8-5AB5-0845-A8B9-3DCE7A7020BE}" type="datetimeFigureOut">
               <a:rPr lang="en-US" smtClean="0"/>
-              <a:t>5/5/22</a:t>
+              <a:t>5/12/22</a:t>
             </a:fld>
             <a:endParaRPr lang="en-US"/>
           </a:p>
@@ -6104,7 +6104,7 @@
           <a:p>
             <a:fld id="{1707EF8C-64A6-E941-B20F-A91EEEA18FCD}" type="datetimeFigureOut">
               <a:rPr lang="en-US" smtClean="0"/>
-              <a:t>5/5/22</a:t>
+              <a:t>5/12/22</a:t>
             </a:fld>
             <a:endParaRPr lang="en-US"/>
           </a:p>
@@ -6302,7 +6302,7 @@
           <a:p>
             <a:fld id="{1707EF8C-64A6-E941-B20F-A91EEEA18FCD}" type="datetimeFigureOut">
               <a:rPr lang="en-US" smtClean="0"/>
-              <a:t>5/5/22</a:t>
+              <a:t>5/12/22</a:t>
             </a:fld>
             <a:endParaRPr lang="en-US"/>
           </a:p>
@@ -6510,7 +6510,7 @@
           <a:p>
             <a:fld id="{1707EF8C-64A6-E941-B20F-A91EEEA18FCD}" type="datetimeFigureOut">
               <a:rPr lang="en-US" smtClean="0"/>
-              <a:t>5/5/22</a:t>
+              <a:t>5/12/22</a:t>
             </a:fld>
             <a:endParaRPr lang="en-US"/>
           </a:p>
@@ -6708,7 +6708,7 @@
           <a:p>
             <a:fld id="{1707EF8C-64A6-E941-B20F-A91EEEA18FCD}" type="datetimeFigureOut">
               <a:rPr lang="en-US" smtClean="0"/>
-              <a:t>5/5/22</a:t>
+              <a:t>5/12/22</a:t>
             </a:fld>
             <a:endParaRPr lang="en-US"/>
           </a:p>
@@ -6983,7 +6983,7 @@
           <a:p>
             <a:fld id="{1707EF8C-64A6-E941-B20F-A91EEEA18FCD}" type="datetimeFigureOut">
               <a:rPr lang="en-US" smtClean="0"/>
-              <a:t>5/5/22</a:t>
+              <a:t>5/12/22</a:t>
             </a:fld>
             <a:endParaRPr lang="en-US"/>
           </a:p>
@@ -7248,7 +7248,7 @@
           <a:p>
             <a:fld id="{1707EF8C-64A6-E941-B20F-A91EEEA18FCD}" type="datetimeFigureOut">
               <a:rPr lang="en-US" smtClean="0"/>
-              <a:t>5/5/22</a:t>
+              <a:t>5/12/22</a:t>
             </a:fld>
             <a:endParaRPr lang="en-US"/>
           </a:p>
@@ -7660,7 +7660,7 @@
           <a:p>
             <a:fld id="{1707EF8C-64A6-E941-B20F-A91EEEA18FCD}" type="datetimeFigureOut">
               <a:rPr lang="en-US" smtClean="0"/>
-              <a:t>5/5/22</a:t>
+              <a:t>5/12/22</a:t>
             </a:fld>
             <a:endParaRPr lang="en-US"/>
           </a:p>
@@ -7801,7 +7801,7 @@
           <a:p>
             <a:fld id="{1707EF8C-64A6-E941-B20F-A91EEEA18FCD}" type="datetimeFigureOut">
               <a:rPr lang="en-US" smtClean="0"/>
-              <a:t>5/5/22</a:t>
+              <a:t>5/12/22</a:t>
             </a:fld>
             <a:endParaRPr lang="en-US"/>
           </a:p>
@@ -7914,7 +7914,7 @@
           <a:p>
             <a:fld id="{1707EF8C-64A6-E941-B20F-A91EEEA18FCD}" type="datetimeFigureOut">
               <a:rPr lang="en-US" smtClean="0"/>
-              <a:t>5/5/22</a:t>
+              <a:t>5/12/22</a:t>
             </a:fld>
             <a:endParaRPr lang="en-US"/>
           </a:p>
@@ -8225,7 +8225,7 @@
           <a:p>
             <a:fld id="{1707EF8C-64A6-E941-B20F-A91EEEA18FCD}" type="datetimeFigureOut">
               <a:rPr lang="en-US" smtClean="0"/>
-              <a:t>5/5/22</a:t>
+              <a:t>5/12/22</a:t>
             </a:fld>
             <a:endParaRPr lang="en-US"/>
           </a:p>
@@ -8513,7 +8513,7 @@
           <a:p>
             <a:fld id="{1707EF8C-64A6-E941-B20F-A91EEEA18FCD}" type="datetimeFigureOut">
               <a:rPr lang="en-US" smtClean="0"/>
-              <a:t>5/5/22</a:t>
+              <a:t>5/12/22</a:t>
             </a:fld>
             <a:endParaRPr lang="en-US"/>
           </a:p>
@@ -8784,7 +8784,7 @@
           <a:p>
             <a:fld id="{1707EF8C-64A6-E941-B20F-A91EEEA18FCD}" type="datetimeFigureOut">
               <a:rPr lang="en-US" smtClean="0"/>
-              <a:t>5/5/22</a:t>
+              <a:t>5/12/22</a:t>
             </a:fld>
             <a:endParaRPr lang="en-US"/>
           </a:p>
@@ -11401,8 +11401,8 @@
         </p:nvSpPr>
         <p:spPr>
           <a:xfrm>
-            <a:off x="2075245" y="927298"/>
-            <a:ext cx="8425543" cy="5848461"/>
+            <a:off x="1413165" y="927298"/>
+            <a:ext cx="9642762" cy="5848461"/>
           </a:xfrm>
           <a:prstGeom prst="rect">
             <a:avLst/>
